--- a/Hackthonppt.cc.pptx
+++ b/Hackthonppt.cc.pptx
@@ -139,6 +139,35 @@
     </p:ext>
   </p:extLst>
 </p:presentation>
+</file>
+
+<file path=ppt/changesInfos/changesInfo1.xml><?xml version="1.0" encoding="utf-8"?>
+<pc:chgInfo xmlns:a="http://schemas.openxmlformats.org/drawingml/2006/main" xmlns:r="http://schemas.openxmlformats.org/officeDocument/2006/relationships" xmlns:ac="http://schemas.microsoft.com/office/drawing/2013/main/command" xmlns:pc="http://schemas.microsoft.com/office/powerpoint/2013/main/command">
+  <pc:docChgLst>
+    <pc:chgData name="harsha vardhan" userId="2ec52e01c3f2f0e4" providerId="LiveId" clId="{8756E59C-58AB-4D8E-B229-39BC88C51746}"/>
+    <pc:docChg chg="modSld">
+      <pc:chgData name="harsha vardhan" userId="2ec52e01c3f2f0e4" providerId="LiveId" clId="{8756E59C-58AB-4D8E-B229-39BC88C51746}" dt="2025-09-28T16:36:34.975" v="5" actId="20577"/>
+      <pc:docMkLst>
+        <pc:docMk/>
+      </pc:docMkLst>
+      <pc:sldChg chg="modSp mod">
+        <pc:chgData name="harsha vardhan" userId="2ec52e01c3f2f0e4" providerId="LiveId" clId="{8756E59C-58AB-4D8E-B229-39BC88C51746}" dt="2025-09-28T16:36:34.975" v="5" actId="20577"/>
+        <pc:sldMkLst>
+          <pc:docMk/>
+          <pc:sldMk cId="2191721103" sldId="267"/>
+        </pc:sldMkLst>
+        <pc:spChg chg="mod">
+          <ac:chgData name="harsha vardhan" userId="2ec52e01c3f2f0e4" providerId="LiveId" clId="{8756E59C-58AB-4D8E-B229-39BC88C51746}" dt="2025-09-28T16:36:34.975" v="5" actId="20577"/>
+          <ac:spMkLst>
+            <pc:docMk/>
+            <pc:sldMk cId="2191721103" sldId="267"/>
+            <ac:spMk id="6" creationId="{EB1CF976-8D3A-C299-DDB8-47798B1149BE}"/>
+          </ac:spMkLst>
+        </pc:spChg>
+      </pc:sldChg>
+    </pc:docChg>
+  </pc:docChgLst>
+</pc:chgInfo>
 </file>
 
 <file path=ppt/slideLayouts/slideLayout1.xml><?xml version="1.0" encoding="utf-8"?>
@@ -7455,8 +7484,12 @@
           </a:p>
           <a:p>
             <a:r>
+              <a:rPr lang="en-IN" sz="2400"/>
+              <a:t>Team Lead (Uma): </a:t>
+            </a:r>
+            <a:r>
               <a:rPr lang="en-IN" sz="2400" dirty="0"/>
-              <a:t>Team Lead: Designed the solution and its overview and lead the team.</a:t>
+              <a:t>Designed the solution and its overview and lead the team.</a:t>
             </a:r>
           </a:p>
           <a:p>
@@ -7505,13 +7538,13 @@
   <p:clrMapOvr>
     <a:masterClrMapping/>
   </p:clrMapOvr>
-  <mc:AlternateContent xmlns:mc="http://schemas.openxmlformats.org/markup-compatibility/2006">
-    <mc:Choice xmlns:p14="http://schemas.microsoft.com/office/powerpoint/2010/main" Requires="p14">
+  <mc:AlternateContent xmlns:mc="http://schemas.openxmlformats.org/markup-compatibility/2006" xmlns:p14="http://schemas.microsoft.com/office/powerpoint/2010/main">
+    <mc:Choice Requires="p14">
       <p:transition spd="med" p14:dur="700">
         <p:fade/>
       </p:transition>
     </mc:Choice>
-    <mc:Fallback>
+    <mc:Fallback xmlns="">
       <p:transition spd="med">
         <p:fade/>
       </p:transition>
